--- a/ta5/Defenza.pptx
+++ b/ta5/Defenza.pptx
@@ -13,6 +13,7 @@
     <p:sldId id="261" r:id="rId7"/>
     <p:sldId id="262" r:id="rId8"/>
     <p:sldId id="263" r:id="rId9"/>
+    <p:sldId id="264" r:id="rId10"/>
   </p:sldIdLst>
   <p:sldSz cx="12192000" cy="6858000"/>
   <p:notesSz cx="6858000" cy="9144000"/>
@@ -122,7 +123,7 @@
 <file path=ppt/revisionInfo.xml><?xml version="1.0" encoding="utf-8"?>
 <p1510:revInfo xmlns:a="http://schemas.openxmlformats.org/drawingml/2006/main" xmlns:r="http://schemas.openxmlformats.org/officeDocument/2006/relationships" xmlns:p1510="http://schemas.microsoft.com/office/powerpoint/2015/10/main">
   <p1510:revLst>
-    <p1510:client id="{861DC6EE-4441-43B3-A2D4-A9EF12BB6989}" v="117" dt="2024-11-18T16:46:22.731"/>
+    <p1510:client id="{861DC6EE-4441-43B3-A2D4-A9EF12BB6989}" v="119" dt="2024-11-19T16:22:49.054"/>
   </p1510:revLst>
 </p1510:revInfo>
 </file>
@@ -132,7 +133,7 @@
   <pc:docChgLst>
     <pc:chgData name="HERNANDEZ ORTIZ JOSE ALFREDO" userId="6190f617-08f2-4ebb-a74d-41f293cab510" providerId="ADAL" clId="{861DC6EE-4441-43B3-A2D4-A9EF12BB6989}"/>
     <pc:docChg chg="undo custSel addSld modSld sldOrd modMainMaster">
-      <pc:chgData name="HERNANDEZ ORTIZ JOSE ALFREDO" userId="6190f617-08f2-4ebb-a74d-41f293cab510" providerId="ADAL" clId="{861DC6EE-4441-43B3-A2D4-A9EF12BB6989}" dt="2024-11-18T16:46:22.731" v="1245"/>
+      <pc:chgData name="HERNANDEZ ORTIZ JOSE ALFREDO" userId="6190f617-08f2-4ebb-a74d-41f293cab510" providerId="ADAL" clId="{861DC6EE-4441-43B3-A2D4-A9EF12BB6989}" dt="2024-11-20T14:49:37.697" v="1474" actId="20577"/>
       <pc:docMkLst>
         <pc:docMk/>
       </pc:docMkLst>
@@ -332,7 +333,7 @@
         </pc:picChg>
       </pc:sldChg>
       <pc:sldChg chg="addSp delSp modSp add mod ord modTransition">
-        <pc:chgData name="HERNANDEZ ORTIZ JOSE ALFREDO" userId="6190f617-08f2-4ebb-a74d-41f293cab510" providerId="ADAL" clId="{861DC6EE-4441-43B3-A2D4-A9EF12BB6989}" dt="2024-11-18T16:46:22.731" v="1245"/>
+        <pc:chgData name="HERNANDEZ ORTIZ JOSE ALFREDO" userId="6190f617-08f2-4ebb-a74d-41f293cab510" providerId="ADAL" clId="{861DC6EE-4441-43B3-A2D4-A9EF12BB6989}" dt="2024-11-20T14:49:37.697" v="1474" actId="20577"/>
         <pc:sldMkLst>
           <pc:docMk/>
           <pc:sldMk cId="2151513972" sldId="261"/>
@@ -354,7 +355,7 @@
           </ac:spMkLst>
         </pc:spChg>
         <pc:graphicFrameChg chg="add mod modGraphic">
-          <ac:chgData name="HERNANDEZ ORTIZ JOSE ALFREDO" userId="6190f617-08f2-4ebb-a74d-41f293cab510" providerId="ADAL" clId="{861DC6EE-4441-43B3-A2D4-A9EF12BB6989}" dt="2024-11-18T16:24:29.520" v="1024" actId="12788"/>
+          <ac:chgData name="HERNANDEZ ORTIZ JOSE ALFREDO" userId="6190f617-08f2-4ebb-a74d-41f293cab510" providerId="ADAL" clId="{861DC6EE-4441-43B3-A2D4-A9EF12BB6989}" dt="2024-11-20T14:49:37.697" v="1474" actId="20577"/>
           <ac:graphicFrameMkLst>
             <pc:docMk/>
             <pc:sldMk cId="2151513972" sldId="261"/>
@@ -413,6 +414,45 @@
             <pc:docMk/>
             <pc:sldMk cId="3340336367" sldId="263"/>
             <ac:picMk id="5" creationId="{28E0446A-669A-F3E5-22A7-73373E879E63}"/>
+          </ac:picMkLst>
+        </pc:picChg>
+      </pc:sldChg>
+      <pc:sldChg chg="addSp delSp modSp add mod">
+        <pc:chgData name="HERNANDEZ ORTIZ JOSE ALFREDO" userId="6190f617-08f2-4ebb-a74d-41f293cab510" providerId="ADAL" clId="{861DC6EE-4441-43B3-A2D4-A9EF12BB6989}" dt="2024-11-19T16:23:20.186" v="1279" actId="2711"/>
+        <pc:sldMkLst>
+          <pc:docMk/>
+          <pc:sldMk cId="3918814784" sldId="264"/>
+        </pc:sldMkLst>
+        <pc:spChg chg="mod">
+          <ac:chgData name="HERNANDEZ ORTIZ JOSE ALFREDO" userId="6190f617-08f2-4ebb-a74d-41f293cab510" providerId="ADAL" clId="{861DC6EE-4441-43B3-A2D4-A9EF12BB6989}" dt="2024-11-19T16:22:12.630" v="1259" actId="20577"/>
+          <ac:spMkLst>
+            <pc:docMk/>
+            <pc:sldMk cId="3918814784" sldId="264"/>
+            <ac:spMk id="2" creationId="{F9B51263-C59C-530D-EE9D-24F49C9194FF}"/>
+          </ac:spMkLst>
+        </pc:spChg>
+        <pc:spChg chg="add del mod">
+          <ac:chgData name="HERNANDEZ ORTIZ JOSE ALFREDO" userId="6190f617-08f2-4ebb-a74d-41f293cab510" providerId="ADAL" clId="{861DC6EE-4441-43B3-A2D4-A9EF12BB6989}" dt="2024-11-19T16:22:36.796" v="1261" actId="478"/>
+          <ac:spMkLst>
+            <pc:docMk/>
+            <pc:sldMk cId="3918814784" sldId="264"/>
+            <ac:spMk id="3" creationId="{A3177BC0-D2E1-58FD-C59C-8D0764F0ED9E}"/>
+          </ac:spMkLst>
+        </pc:spChg>
+        <pc:spChg chg="add mod">
+          <ac:chgData name="HERNANDEZ ORTIZ JOSE ALFREDO" userId="6190f617-08f2-4ebb-a74d-41f293cab510" providerId="ADAL" clId="{861DC6EE-4441-43B3-A2D4-A9EF12BB6989}" dt="2024-11-19T16:23:20.186" v="1279" actId="2711"/>
+          <ac:spMkLst>
+            <pc:docMk/>
+            <pc:sldMk cId="3918814784" sldId="264"/>
+            <ac:spMk id="5" creationId="{336C0DFC-A518-C6E0-2983-3E50CEF01AB1}"/>
+          </ac:spMkLst>
+        </pc:spChg>
+        <pc:picChg chg="del">
+          <ac:chgData name="HERNANDEZ ORTIZ JOSE ALFREDO" userId="6190f617-08f2-4ebb-a74d-41f293cab510" providerId="ADAL" clId="{861DC6EE-4441-43B3-A2D4-A9EF12BB6989}" dt="2024-11-19T16:22:06.541" v="1247" actId="478"/>
+          <ac:picMkLst>
+            <pc:docMk/>
+            <pc:sldMk cId="3918814784" sldId="264"/>
+            <ac:picMk id="4" creationId="{B24D5ACA-84F9-4142-971B-53D8A49B5C97}"/>
           </ac:picMkLst>
         </pc:picChg>
       </pc:sldChg>
@@ -665,7 +705,7 @@
           <a:p>
             <a:fld id="{50631A3F-3C23-4511-878C-E6587D1245BF}" type="datetimeFigureOut">
               <a:rPr lang="es-SV" smtClean="0"/>
-              <a:t>18/11/2024</a:t>
+              <a:t>20/11/2024</a:t>
             </a:fld>
             <a:endParaRPr lang="es-SV"/>
           </a:p>
@@ -735,13 +775,13 @@
   <p:clrMapOvr>
     <a:masterClrMapping/>
   </p:clrMapOvr>
-  <mc:AlternateContent xmlns:mc="http://schemas.openxmlformats.org/markup-compatibility/2006">
-    <mc:Choice xmlns:p14="http://schemas.microsoft.com/office/powerpoint/2010/main" Requires="p14">
+  <mc:AlternateContent xmlns:mc="http://schemas.openxmlformats.org/markup-compatibility/2006" xmlns:p14="http://schemas.microsoft.com/office/powerpoint/2010/main">
+    <mc:Choice Requires="p14">
       <p:transition spd="slow" p14:dur="1200">
         <p14:prism dir="r"/>
       </p:transition>
     </mc:Choice>
-    <mc:Fallback>
+    <mc:Fallback xmlns="">
       <p:transition spd="slow">
         <p:fade/>
       </p:transition>
@@ -877,7 +917,7 @@
           <a:p>
             <a:fld id="{50631A3F-3C23-4511-878C-E6587D1245BF}" type="datetimeFigureOut">
               <a:rPr lang="es-SV" smtClean="0"/>
-              <a:t>18/11/2024</a:t>
+              <a:t>20/11/2024</a:t>
             </a:fld>
             <a:endParaRPr lang="es-SV"/>
           </a:p>
@@ -947,13 +987,13 @@
   <p:clrMapOvr>
     <a:masterClrMapping/>
   </p:clrMapOvr>
-  <mc:AlternateContent xmlns:mc="http://schemas.openxmlformats.org/markup-compatibility/2006">
-    <mc:Choice xmlns:p14="http://schemas.microsoft.com/office/powerpoint/2010/main" Requires="p14">
+  <mc:AlternateContent xmlns:mc="http://schemas.openxmlformats.org/markup-compatibility/2006" xmlns:p14="http://schemas.microsoft.com/office/powerpoint/2010/main">
+    <mc:Choice Requires="p14">
       <p:transition spd="slow" p14:dur="1200">
         <p14:prism dir="r"/>
       </p:transition>
     </mc:Choice>
-    <mc:Fallback>
+    <mc:Fallback xmlns="">
       <p:transition spd="slow">
         <p:fade/>
       </p:transition>
@@ -1099,7 +1139,7 @@
           <a:p>
             <a:fld id="{50631A3F-3C23-4511-878C-E6587D1245BF}" type="datetimeFigureOut">
               <a:rPr lang="es-SV" smtClean="0"/>
-              <a:t>18/11/2024</a:t>
+              <a:t>20/11/2024</a:t>
             </a:fld>
             <a:endParaRPr lang="es-SV"/>
           </a:p>
@@ -1169,13 +1209,13 @@
   <p:clrMapOvr>
     <a:masterClrMapping/>
   </p:clrMapOvr>
-  <mc:AlternateContent xmlns:mc="http://schemas.openxmlformats.org/markup-compatibility/2006">
-    <mc:Choice xmlns:p14="http://schemas.microsoft.com/office/powerpoint/2010/main" Requires="p14">
+  <mc:AlternateContent xmlns:mc="http://schemas.openxmlformats.org/markup-compatibility/2006" xmlns:p14="http://schemas.microsoft.com/office/powerpoint/2010/main">
+    <mc:Choice Requires="p14">
       <p:transition spd="slow" p14:dur="1200">
         <p14:prism dir="r"/>
       </p:transition>
     </mc:Choice>
-    <mc:Fallback>
+    <mc:Fallback xmlns="">
       <p:transition spd="slow">
         <p:fade/>
       </p:transition>
@@ -1311,7 +1351,7 @@
           <a:p>
             <a:fld id="{50631A3F-3C23-4511-878C-E6587D1245BF}" type="datetimeFigureOut">
               <a:rPr lang="es-SV" smtClean="0"/>
-              <a:t>18/11/2024</a:t>
+              <a:t>20/11/2024</a:t>
             </a:fld>
             <a:endParaRPr lang="es-SV"/>
           </a:p>
@@ -1381,13 +1421,13 @@
   <p:clrMapOvr>
     <a:masterClrMapping/>
   </p:clrMapOvr>
-  <mc:AlternateContent xmlns:mc="http://schemas.openxmlformats.org/markup-compatibility/2006">
-    <mc:Choice xmlns:p14="http://schemas.microsoft.com/office/powerpoint/2010/main" Requires="p14">
+  <mc:AlternateContent xmlns:mc="http://schemas.openxmlformats.org/markup-compatibility/2006" xmlns:p14="http://schemas.microsoft.com/office/powerpoint/2010/main">
+    <mc:Choice Requires="p14">
       <p:transition spd="slow" p14:dur="1200">
         <p14:prism dir="r"/>
       </p:transition>
     </mc:Choice>
-    <mc:Fallback>
+    <mc:Fallback xmlns="">
       <p:transition spd="slow">
         <p:fade/>
       </p:transition>
@@ -1599,7 +1639,7 @@
           <a:p>
             <a:fld id="{50631A3F-3C23-4511-878C-E6587D1245BF}" type="datetimeFigureOut">
               <a:rPr lang="es-SV" smtClean="0"/>
-              <a:t>18/11/2024</a:t>
+              <a:t>20/11/2024</a:t>
             </a:fld>
             <a:endParaRPr lang="es-SV"/>
           </a:p>
@@ -1669,13 +1709,13 @@
   <p:clrMapOvr>
     <a:masterClrMapping/>
   </p:clrMapOvr>
-  <mc:AlternateContent xmlns:mc="http://schemas.openxmlformats.org/markup-compatibility/2006">
-    <mc:Choice xmlns:p14="http://schemas.microsoft.com/office/powerpoint/2010/main" Requires="p14">
+  <mc:AlternateContent xmlns:mc="http://schemas.openxmlformats.org/markup-compatibility/2006" xmlns:p14="http://schemas.microsoft.com/office/powerpoint/2010/main">
+    <mc:Choice Requires="p14">
       <p:transition spd="slow" p14:dur="1200">
         <p14:prism dir="r"/>
       </p:transition>
     </mc:Choice>
-    <mc:Fallback>
+    <mc:Fallback xmlns="">
       <p:transition spd="slow">
         <p:fade/>
       </p:transition>
@@ -1879,7 +1919,7 @@
           <a:p>
             <a:fld id="{50631A3F-3C23-4511-878C-E6587D1245BF}" type="datetimeFigureOut">
               <a:rPr lang="es-SV" smtClean="0"/>
-              <a:t>18/11/2024</a:t>
+              <a:t>20/11/2024</a:t>
             </a:fld>
             <a:endParaRPr lang="es-SV"/>
           </a:p>
@@ -1949,13 +1989,13 @@
   <p:clrMapOvr>
     <a:masterClrMapping/>
   </p:clrMapOvr>
-  <mc:AlternateContent xmlns:mc="http://schemas.openxmlformats.org/markup-compatibility/2006">
-    <mc:Choice xmlns:p14="http://schemas.microsoft.com/office/powerpoint/2010/main" Requires="p14">
+  <mc:AlternateContent xmlns:mc="http://schemas.openxmlformats.org/markup-compatibility/2006" xmlns:p14="http://schemas.microsoft.com/office/powerpoint/2010/main">
+    <mc:Choice Requires="p14">
       <p:transition spd="slow" p14:dur="1200">
         <p14:prism dir="r"/>
       </p:transition>
     </mc:Choice>
-    <mc:Fallback>
+    <mc:Fallback xmlns="">
       <p:transition spd="slow">
         <p:fade/>
       </p:transition>
@@ -2306,7 +2346,7 @@
           <a:p>
             <a:fld id="{50631A3F-3C23-4511-878C-E6587D1245BF}" type="datetimeFigureOut">
               <a:rPr lang="es-SV" smtClean="0"/>
-              <a:t>18/11/2024</a:t>
+              <a:t>20/11/2024</a:t>
             </a:fld>
             <a:endParaRPr lang="es-SV"/>
           </a:p>
@@ -2376,13 +2416,13 @@
   <p:clrMapOvr>
     <a:masterClrMapping/>
   </p:clrMapOvr>
-  <mc:AlternateContent xmlns:mc="http://schemas.openxmlformats.org/markup-compatibility/2006">
-    <mc:Choice xmlns:p14="http://schemas.microsoft.com/office/powerpoint/2010/main" Requires="p14">
+  <mc:AlternateContent xmlns:mc="http://schemas.openxmlformats.org/markup-compatibility/2006" xmlns:p14="http://schemas.microsoft.com/office/powerpoint/2010/main">
+    <mc:Choice Requires="p14">
       <p:transition spd="slow" p14:dur="1200">
         <p14:prism dir="r"/>
       </p:transition>
     </mc:Choice>
-    <mc:Fallback>
+    <mc:Fallback xmlns="">
       <p:transition spd="slow">
         <p:fade/>
       </p:transition>
@@ -2460,7 +2500,7 @@
           <a:p>
             <a:fld id="{50631A3F-3C23-4511-878C-E6587D1245BF}" type="datetimeFigureOut">
               <a:rPr lang="es-SV" smtClean="0"/>
-              <a:t>18/11/2024</a:t>
+              <a:t>20/11/2024</a:t>
             </a:fld>
             <a:endParaRPr lang="es-SV"/>
           </a:p>
@@ -2530,13 +2570,13 @@
   <p:clrMapOvr>
     <a:masterClrMapping/>
   </p:clrMapOvr>
-  <mc:AlternateContent xmlns:mc="http://schemas.openxmlformats.org/markup-compatibility/2006">
-    <mc:Choice xmlns:p14="http://schemas.microsoft.com/office/powerpoint/2010/main" Requires="p14">
+  <mc:AlternateContent xmlns:mc="http://schemas.openxmlformats.org/markup-compatibility/2006" xmlns:p14="http://schemas.microsoft.com/office/powerpoint/2010/main">
+    <mc:Choice Requires="p14">
       <p:transition spd="slow" p14:dur="1200">
         <p14:prism dir="r"/>
       </p:transition>
     </mc:Choice>
-    <mc:Fallback>
+    <mc:Fallback xmlns="">
       <p:transition spd="slow">
         <p:fade/>
       </p:transition>
@@ -2585,7 +2625,7 @@
           <a:p>
             <a:fld id="{50631A3F-3C23-4511-878C-E6587D1245BF}" type="datetimeFigureOut">
               <a:rPr lang="es-SV" smtClean="0"/>
-              <a:t>18/11/2024</a:t>
+              <a:t>20/11/2024</a:t>
             </a:fld>
             <a:endParaRPr lang="es-SV"/>
           </a:p>
@@ -2655,13 +2695,13 @@
   <p:clrMapOvr>
     <a:masterClrMapping/>
   </p:clrMapOvr>
-  <mc:AlternateContent xmlns:mc="http://schemas.openxmlformats.org/markup-compatibility/2006">
-    <mc:Choice xmlns:p14="http://schemas.microsoft.com/office/powerpoint/2010/main" Requires="p14">
+  <mc:AlternateContent xmlns:mc="http://schemas.openxmlformats.org/markup-compatibility/2006" xmlns:p14="http://schemas.microsoft.com/office/powerpoint/2010/main">
+    <mc:Choice Requires="p14">
       <p:transition spd="slow" p14:dur="1200">
         <p14:prism dir="r"/>
       </p:transition>
     </mc:Choice>
-    <mc:Fallback>
+    <mc:Fallback xmlns="">
       <p:transition spd="slow">
         <p:fade/>
       </p:transition>
@@ -2910,7 +2950,7 @@
           <a:p>
             <a:fld id="{50631A3F-3C23-4511-878C-E6587D1245BF}" type="datetimeFigureOut">
               <a:rPr lang="es-SV" smtClean="0"/>
-              <a:t>18/11/2024</a:t>
+              <a:t>20/11/2024</a:t>
             </a:fld>
             <a:endParaRPr lang="es-SV"/>
           </a:p>
@@ -2980,13 +3020,13 @@
   <p:clrMapOvr>
     <a:masterClrMapping/>
   </p:clrMapOvr>
-  <mc:AlternateContent xmlns:mc="http://schemas.openxmlformats.org/markup-compatibility/2006">
-    <mc:Choice xmlns:p14="http://schemas.microsoft.com/office/powerpoint/2010/main" Requires="p14">
+  <mc:AlternateContent xmlns:mc="http://schemas.openxmlformats.org/markup-compatibility/2006" xmlns:p14="http://schemas.microsoft.com/office/powerpoint/2010/main">
+    <mc:Choice Requires="p14">
       <p:transition spd="slow" p14:dur="1200">
         <p14:prism dir="r"/>
       </p:transition>
     </mc:Choice>
-    <mc:Fallback>
+    <mc:Fallback xmlns="">
       <p:transition spd="slow">
         <p:fade/>
       </p:transition>
@@ -3211,7 +3251,7 @@
           <a:p>
             <a:fld id="{50631A3F-3C23-4511-878C-E6587D1245BF}" type="datetimeFigureOut">
               <a:rPr lang="es-SV" smtClean="0"/>
-              <a:t>18/11/2024</a:t>
+              <a:t>20/11/2024</a:t>
             </a:fld>
             <a:endParaRPr lang="es-SV"/>
           </a:p>
@@ -3281,13 +3321,13 @@
   <p:clrMapOvr>
     <a:masterClrMapping/>
   </p:clrMapOvr>
-  <mc:AlternateContent xmlns:mc="http://schemas.openxmlformats.org/markup-compatibility/2006">
-    <mc:Choice xmlns:p14="http://schemas.microsoft.com/office/powerpoint/2010/main" Requires="p14">
+  <mc:AlternateContent xmlns:mc="http://schemas.openxmlformats.org/markup-compatibility/2006" xmlns:p14="http://schemas.microsoft.com/office/powerpoint/2010/main">
+    <mc:Choice Requires="p14">
       <p:transition spd="slow" p14:dur="1200">
         <p14:prism dir="r"/>
       </p:transition>
     </mc:Choice>
-    <mc:Fallback>
+    <mc:Fallback xmlns="">
       <p:transition spd="slow">
         <p:fade/>
       </p:transition>
@@ -3476,7 +3516,7 @@
           <a:p>
             <a:fld id="{50631A3F-3C23-4511-878C-E6587D1245BF}" type="datetimeFigureOut">
               <a:rPr lang="es-SV" smtClean="0"/>
-              <a:t>18/11/2024</a:t>
+              <a:t>20/11/2024</a:t>
             </a:fld>
             <a:endParaRPr lang="es-SV"/>
           </a:p>
@@ -3593,13 +3633,13 @@
     <p:sldLayoutId id="2147483658" r:id="rId10"/>
     <p:sldLayoutId id="2147483659" r:id="rId11"/>
   </p:sldLayoutIdLst>
-  <mc:AlternateContent xmlns:mc="http://schemas.openxmlformats.org/markup-compatibility/2006">
-    <mc:Choice xmlns:p14="http://schemas.microsoft.com/office/powerpoint/2010/main" Requires="p14">
+  <mc:AlternateContent xmlns:mc="http://schemas.openxmlformats.org/markup-compatibility/2006" xmlns:p14="http://schemas.microsoft.com/office/powerpoint/2010/main">
+    <mc:Choice Requires="p14">
       <p:transition spd="slow" p14:dur="1200">
         <p14:prism dir="r"/>
       </p:transition>
     </mc:Choice>
-    <mc:Fallback>
+    <mc:Fallback xmlns="">
       <p:transition spd="slow">
         <p:fade/>
       </p:transition>
@@ -4473,13 +4513,13 @@
   <p:clrMapOvr>
     <a:masterClrMapping/>
   </p:clrMapOvr>
-  <mc:AlternateContent xmlns:mc="http://schemas.openxmlformats.org/markup-compatibility/2006">
-    <mc:Choice xmlns:p14="http://schemas.microsoft.com/office/powerpoint/2010/main" Requires="p14">
+  <mc:AlternateContent xmlns:mc="http://schemas.openxmlformats.org/markup-compatibility/2006" xmlns:p14="http://schemas.microsoft.com/office/powerpoint/2010/main">
+    <mc:Choice Requires="p14">
       <p:transition spd="slow" p14:dur="1200">
         <p14:prism dir="r"/>
       </p:transition>
     </mc:Choice>
-    <mc:Fallback>
+    <mc:Fallback xmlns="">
       <p:transition spd="slow">
         <p:fade/>
       </p:transition>
@@ -4667,13 +4707,13 @@
   <p:clrMapOvr>
     <a:masterClrMapping/>
   </p:clrMapOvr>
-  <mc:AlternateContent xmlns:mc="http://schemas.openxmlformats.org/markup-compatibility/2006">
-    <mc:Choice xmlns:p14="http://schemas.microsoft.com/office/powerpoint/2010/main" Requires="p14">
+  <mc:AlternateContent xmlns:mc="http://schemas.openxmlformats.org/markup-compatibility/2006" xmlns:p14="http://schemas.microsoft.com/office/powerpoint/2010/main">
+    <mc:Choice Requires="p14">
       <p:transition spd="slow" p14:dur="1200">
         <p14:prism dir="r"/>
       </p:transition>
     </mc:Choice>
-    <mc:Fallback>
+    <mc:Fallback xmlns="">
       <p:transition spd="slow">
         <p:fade/>
       </p:transition>
@@ -4916,13 +4956,13 @@
   <p:clrMapOvr>
     <a:masterClrMapping/>
   </p:clrMapOvr>
-  <mc:AlternateContent xmlns:mc="http://schemas.openxmlformats.org/markup-compatibility/2006">
-    <mc:Choice xmlns:p14="http://schemas.microsoft.com/office/powerpoint/2010/main" Requires="p14">
+  <mc:AlternateContent xmlns:mc="http://schemas.openxmlformats.org/markup-compatibility/2006" xmlns:p14="http://schemas.microsoft.com/office/powerpoint/2010/main">
+    <mc:Choice Requires="p14">
       <p:transition spd="slow" p14:dur="1200">
         <p14:prism dir="r"/>
       </p:transition>
     </mc:Choice>
-    <mc:Fallback>
+    <mc:Fallback xmlns="">
       <p:transition spd="slow">
         <p:fade/>
       </p:transition>
@@ -5298,13 +5338,13 @@
   <p:clrMapOvr>
     <a:masterClrMapping/>
   </p:clrMapOvr>
-  <mc:AlternateContent xmlns:mc="http://schemas.openxmlformats.org/markup-compatibility/2006">
-    <mc:Choice xmlns:p14="http://schemas.microsoft.com/office/powerpoint/2010/main" Requires="p14">
+  <mc:AlternateContent xmlns:mc="http://schemas.openxmlformats.org/markup-compatibility/2006" xmlns:p14="http://schemas.microsoft.com/office/powerpoint/2010/main">
+    <mc:Choice Requires="p14">
       <p:transition spd="slow" p14:dur="1200">
         <p14:prism dir="r"/>
       </p:transition>
     </mc:Choice>
-    <mc:Fallback>
+    <mc:Fallback xmlns="">
       <p:transition spd="slow">
         <p:fade/>
       </p:transition>
@@ -6876,13 +6916,13 @@
   <p:clrMapOvr>
     <a:masterClrMapping/>
   </p:clrMapOvr>
-  <mc:AlternateContent xmlns:mc="http://schemas.openxmlformats.org/markup-compatibility/2006">
-    <mc:Choice xmlns:p14="http://schemas.microsoft.com/office/powerpoint/2010/main" Requires="p14">
+  <mc:AlternateContent xmlns:mc="http://schemas.openxmlformats.org/markup-compatibility/2006" xmlns:p14="http://schemas.microsoft.com/office/powerpoint/2010/main">
+    <mc:Choice Requires="p14">
       <p:transition spd="slow" p14:dur="1200">
         <p14:prism dir="r"/>
       </p:transition>
     </mc:Choice>
-    <mc:Fallback>
+    <mc:Fallback xmlns="">
       <p:transition spd="slow">
         <p:fade/>
       </p:transition>
@@ -6977,14 +7017,14 @@
           <p:nvPr>
             <p:extLst>
               <p:ext uri="{D42A27DB-BD31-4B8C-83A1-F6EECF244321}">
-                <p14:modId xmlns:p14="http://schemas.microsoft.com/office/powerpoint/2010/main" val="327735704"/>
+                <p14:modId xmlns:p14="http://schemas.microsoft.com/office/powerpoint/2010/main" val="3973770"/>
               </p:ext>
             </p:extLst>
           </p:nvPr>
         </p:nvGraphicFramePr>
         <p:xfrm>
           <a:off x="336000" y="1259091"/>
-          <a:ext cx="11520000" cy="3332574"/>
+          <a:ext cx="11520000" cy="4971705"/>
         </p:xfrm>
         <a:graphic>
           <a:graphicData uri="http://schemas.openxmlformats.org/drawingml/2006/table">
@@ -6993,21 +7033,21 @@
                 <a:tableStyleId>{5C22544A-7EE6-4342-B048-85BDC9FD1C3A}</a:tableStyleId>
               </a:tblPr>
               <a:tblGrid>
-                <a:gridCol w="3840000">
+                <a:gridCol w="3705058">
                   <a:extLst>
                     <a:ext uri="{9D8B030D-6E8A-4147-A177-3AD203B41FA5}">
                       <a16:colId xmlns:a16="http://schemas.microsoft.com/office/drawing/2014/main" val="2102503778"/>
                     </a:ext>
                   </a:extLst>
                 </a:gridCol>
-                <a:gridCol w="3840000">
+                <a:gridCol w="4994787">
                   <a:extLst>
                     <a:ext uri="{9D8B030D-6E8A-4147-A177-3AD203B41FA5}">
                       <a16:colId xmlns:a16="http://schemas.microsoft.com/office/drawing/2014/main" val="4257791943"/>
                     </a:ext>
                   </a:extLst>
                 </a:gridCol>
-                <a:gridCol w="3840000">
+                <a:gridCol w="2820155">
                   <a:extLst>
                     <a:ext uri="{9D8B030D-6E8A-4147-A177-3AD203B41FA5}">
                       <a16:colId xmlns:a16="http://schemas.microsoft.com/office/drawing/2014/main" val="519280575"/>
@@ -7039,7 +7079,121 @@
                         <a:defRPr/>
                       </a:pPr>
                       <a:r>
-                        <a:rPr lang="es-SV" sz="2500" b="0" kern="100" dirty="0">
+                        <a:rPr lang="es-ES" sz="2500" b="1" kern="100" dirty="0">
+                          <a:solidFill>
+                            <a:srgbClr val="FFC000"/>
+                          </a:solidFill>
+                          <a:effectLst/>
+                          <a:latin typeface="Tisa Offc Serif Pro" panose="02010504030101020102" pitchFamily="2" charset="0"/>
+                          <a:ea typeface="Aptos" panose="020B0004020202020204" pitchFamily="34" charset="0"/>
+                          <a:cs typeface="Times New Roman" panose="02020603050405020304" pitchFamily="18" charset="0"/>
+                        </a:rPr>
+                        <a:t>Modelo: Regresión Lineal</a:t>
+                      </a:r>
+                      <a:endParaRPr lang="es-SV" sz="2500" b="1" kern="100" dirty="0">
+                        <a:solidFill>
+                          <a:srgbClr val="FFC000"/>
+                        </a:solidFill>
+                        <a:effectLst/>
+                        <a:latin typeface="Tisa Offc Serif Pro" panose="02010504030101020102" pitchFamily="2" charset="0"/>
+                        <a:ea typeface="Aptos" panose="020B0004020202020204" pitchFamily="34" charset="0"/>
+                        <a:cs typeface="Times New Roman" panose="02020603050405020304" pitchFamily="18" charset="0"/>
+                      </a:endParaRPr>
+                    </a:p>
+                  </a:txBody>
+                  <a:tcPr>
+                    <a:lnL w="3175" cap="flat" cmpd="sng" algn="ctr">
+                      <a:solidFill>
+                        <a:schemeClr val="tx1"/>
+                      </a:solidFill>
+                      <a:prstDash val="solid"/>
+                      <a:round/>
+                      <a:headEnd type="none" w="med" len="med"/>
+                      <a:tailEnd type="none" w="med" len="med"/>
+                    </a:lnL>
+                    <a:lnR w="3175" cap="flat" cmpd="sng" algn="ctr">
+                      <a:solidFill>
+                        <a:schemeClr val="tx1"/>
+                      </a:solidFill>
+                      <a:prstDash val="solid"/>
+                      <a:round/>
+                      <a:headEnd type="none" w="med" len="med"/>
+                      <a:tailEnd type="none" w="med" len="med"/>
+                    </a:lnR>
+                    <a:lnT w="3175" cap="flat" cmpd="sng" algn="ctr">
+                      <a:solidFill>
+                        <a:schemeClr val="tx1"/>
+                      </a:solidFill>
+                      <a:prstDash val="solid"/>
+                      <a:round/>
+                      <a:headEnd type="none" w="med" len="med"/>
+                      <a:tailEnd type="none" w="med" len="med"/>
+                    </a:lnT>
+                    <a:lnB w="3175" cap="flat" cmpd="sng" algn="ctr">
+                      <a:solidFill>
+                        <a:schemeClr val="tx1"/>
+                      </a:solidFill>
+                      <a:prstDash val="solid"/>
+                      <a:round/>
+                      <a:headEnd type="none" w="med" len="med"/>
+                      <a:tailEnd type="none" w="med" len="med"/>
+                    </a:lnB>
+                    <a:solidFill>
+                      <a:srgbClr val="002060"/>
+                    </a:solidFill>
+                  </a:tcPr>
+                </a:tc>
+                <a:tc hMerge="1">
+                  <a:txBody>
+                    <a:bodyPr/>
+                    <a:lstStyle/>
+                    <a:p>
+                      <a:endParaRPr lang="es-SV"/>
+                    </a:p>
+                  </a:txBody>
+                  <a:tcPr/>
+                </a:tc>
+                <a:tc hMerge="1">
+                  <a:txBody>
+                    <a:bodyPr/>
+                    <a:lstStyle/>
+                    <a:p>
+                      <a:endParaRPr lang="es-SV"/>
+                    </a:p>
+                  </a:txBody>
+                  <a:tcPr/>
+                </a:tc>
+                <a:extLst>
+                  <a:ext uri="{0D108BD9-81ED-4DB2-BD59-A6C34878D82A}">
+                    <a16:rowId xmlns:a16="http://schemas.microsoft.com/office/drawing/2014/main" val="3506818834"/>
+                  </a:ext>
+                </a:extLst>
+              </a:tr>
+              <a:tr h="555429">
+                <a:tc gridSpan="3">
+                  <a:txBody>
+                    <a:bodyPr/>
+                    <a:lstStyle/>
+                    <a:p>
+                      <a:pPr marL="0" marR="0" lvl="0" indent="0" algn="l" defTabSz="914400" rtl="0" eaLnBrk="1" fontAlgn="auto" latinLnBrk="0" hangingPunct="1">
+                        <a:lnSpc>
+                          <a:spcPct val="100000"/>
+                        </a:lnSpc>
+                        <a:spcBef>
+                          <a:spcPts val="0"/>
+                        </a:spcBef>
+                        <a:spcAft>
+                          <a:spcPts val="0"/>
+                        </a:spcAft>
+                        <a:buClrTx/>
+                        <a:buSzTx/>
+                        <a:buFontTx/>
+                        <a:buNone/>
+                        <a:tabLst/>
+                        <a:defRPr/>
+                      </a:pPr>
+                      <a:r>
+                        <a:rPr lang="es-SV" sz="2200" b="0" kern="100" dirty="0">
                           <a:solidFill>
                             <a:schemeClr val="tx1"/>
                           </a:solidFill>
@@ -7048,8 +7202,41 @@
                           <a:ea typeface="Aptos" panose="020B0004020202020204" pitchFamily="34" charset="0"/>
                           <a:cs typeface="Times New Roman" panose="02020603050405020304" pitchFamily="18" charset="0"/>
                         </a:rPr>
-                        <a:t>HTML, CSS, PHP, JavaScript, (Python, MySQL</a:t>
+                        <a:t>HTML, CSS, PHP, JavaScript, Python, MySQL (</a:t>
                       </a:r>
+                      <a:r>
+                        <a:rPr lang="es-SV" sz="2200" b="0" kern="100" dirty="0" err="1">
+                          <a:solidFill>
+                            <a:schemeClr val="tx1"/>
+                          </a:solidFill>
+                          <a:effectLst/>
+                          <a:latin typeface="Tisa Offc Serif Pro" panose="02010504030101020102" pitchFamily="2" charset="0"/>
+                          <a:ea typeface="Aptos" panose="020B0004020202020204" pitchFamily="34" charset="0"/>
+                          <a:cs typeface="Times New Roman" panose="02020603050405020304" pitchFamily="18" charset="0"/>
+                        </a:rPr>
+                        <a:t>MariaDB</a:t>
+                      </a:r>
+                      <a:r>
+                        <a:rPr lang="es-SV" sz="2200" b="0" kern="100">
+                          <a:solidFill>
+                            <a:schemeClr val="tx1"/>
+                          </a:solidFill>
+                          <a:effectLst/>
+                          <a:latin typeface="Tisa Offc Serif Pro" panose="02010504030101020102" pitchFamily="2" charset="0"/>
+                          <a:ea typeface="Aptos" panose="020B0004020202020204" pitchFamily="34" charset="0"/>
+                          <a:cs typeface="Times New Roman" panose="02020603050405020304" pitchFamily="18" charset="0"/>
+                        </a:rPr>
+                        <a:t>)</a:t>
+                      </a:r>
+                      <a:endParaRPr lang="es-SV" sz="2200" b="0" kern="100" dirty="0">
+                        <a:solidFill>
+                          <a:schemeClr val="tx1"/>
+                        </a:solidFill>
+                        <a:effectLst/>
+                        <a:latin typeface="Tisa Offc Serif Pro" panose="02010504030101020102" pitchFamily="2" charset="0"/>
+                        <a:ea typeface="Aptos" panose="020B0004020202020204" pitchFamily="34" charset="0"/>
+                        <a:cs typeface="Times New Roman" panose="02020603050405020304" pitchFamily="18" charset="0"/>
+                      </a:endParaRPr>
                     </a:p>
                   </a:txBody>
                   <a:tcPr>
@@ -7215,7 +7402,7 @@
                     <a:lstStyle/>
                     <a:p>
                       <a:r>
-                        <a:rPr lang="es-SV" sz="2500" kern="100" dirty="0" err="1">
+                        <a:rPr lang="es-SV" sz="2200" kern="100" dirty="0" err="1">
                           <a:solidFill>
                             <a:schemeClr val="tx1"/>
                           </a:solidFill>
@@ -7224,7 +7411,7 @@
                         </a:rPr>
                         <a:t>numpy</a:t>
                       </a:r>
-                      <a:endParaRPr lang="es-SV" sz="2500" kern="100" dirty="0">
+                      <a:endParaRPr lang="es-SV" sz="2200" kern="100" dirty="0">
                         <a:solidFill>
                           <a:schemeClr val="tx1"/>
                         </a:solidFill>
@@ -7279,7 +7466,7 @@
                     <a:bodyPr/>
                     <a:lstStyle/>
                     <a:p>
-                      <a:endParaRPr lang="es-SV" sz="2500" kern="100" dirty="0">
+                      <a:endParaRPr lang="es-SV" sz="2200" kern="100" dirty="0">
                         <a:solidFill>
                           <a:schemeClr val="tx1"/>
                         </a:solidFill>
@@ -7335,7 +7522,7 @@
                     <a:lstStyle/>
                     <a:p>
                       <a:r>
-                        <a:rPr lang="es-SV" sz="2500" b="0" kern="100" dirty="0" err="1">
+                        <a:rPr lang="es-SV" sz="2200" b="0" kern="100" dirty="0" err="1">
                           <a:solidFill>
                             <a:schemeClr val="tx1"/>
                           </a:solidFill>
@@ -7344,7 +7531,7 @@
                         </a:rPr>
                         <a:t>Arrays</a:t>
                       </a:r>
-                      <a:endParaRPr lang="es-SV" sz="2500" b="0" kern="100" dirty="0">
+                      <a:endParaRPr lang="es-SV" sz="2200" b="0" kern="100" dirty="0">
                         <a:solidFill>
                           <a:schemeClr val="tx1"/>
                         </a:solidFill>
@@ -7407,7 +7594,7 @@
                     <a:lstStyle/>
                     <a:p>
                       <a:r>
-                        <a:rPr lang="es-SV" sz="2500" kern="100" dirty="0" err="1">
+                        <a:rPr lang="es-SV" sz="2200" kern="100" dirty="0" err="1">
                           <a:solidFill>
                             <a:schemeClr val="tx1"/>
                           </a:solidFill>
@@ -7417,7 +7604,7 @@
                         <a:t>sklearn.ensemble</a:t>
                       </a:r>
                       <a:r>
-                        <a:rPr lang="es-SV" sz="2500" kern="100" dirty="0">
+                        <a:rPr lang="es-SV" sz="2200" kern="100" dirty="0">
                           <a:solidFill>
                             <a:schemeClr val="tx1"/>
                           </a:solidFill>
@@ -7426,7 +7613,7 @@
                         </a:rPr>
                         <a:t> </a:t>
                       </a:r>
-                      <a:endParaRPr lang="es-SV" sz="2500" kern="100" dirty="0">
+                      <a:endParaRPr lang="es-SV" sz="2200" kern="100" dirty="0">
                         <a:solidFill>
                           <a:schemeClr val="tx1"/>
                         </a:solidFill>
@@ -7482,7 +7669,7 @@
                     <a:lstStyle/>
                     <a:p>
                       <a:r>
-                        <a:rPr lang="es-SV" sz="2500" kern="100" dirty="0" err="1">
+                        <a:rPr lang="es-SV" sz="2200" kern="100" dirty="0" err="1">
                           <a:solidFill>
                             <a:schemeClr val="tx1"/>
                           </a:solidFill>
@@ -7491,7 +7678,7 @@
                         </a:rPr>
                         <a:t>RandomForestRegressor</a:t>
                       </a:r>
-                      <a:endParaRPr lang="es-SV" sz="2500" kern="100" dirty="0">
+                      <a:endParaRPr lang="es-SV" sz="2200" kern="100" dirty="0">
                         <a:solidFill>
                           <a:schemeClr val="tx1"/>
                         </a:solidFill>
@@ -7547,7 +7734,7 @@
                     <a:lstStyle/>
                     <a:p>
                       <a:r>
-                        <a:rPr lang="es-ES" sz="2500" kern="100" dirty="0">
+                        <a:rPr lang="es-ES" sz="2200" kern="100" dirty="0">
                           <a:solidFill>
                             <a:schemeClr val="tx1"/>
                           </a:solidFill>
@@ -7557,7 +7744,7 @@
                         </a:rPr>
                         <a:t>Mejorar precisión</a:t>
                       </a:r>
-                      <a:endParaRPr lang="es-SV" sz="2500" kern="100" dirty="0">
+                      <a:endParaRPr lang="es-SV" sz="2200" kern="100" dirty="0">
                         <a:solidFill>
                           <a:schemeClr val="tx1"/>
                         </a:solidFill>
@@ -7620,7 +7807,7 @@
                     <a:lstStyle/>
                     <a:p>
                       <a:r>
-                        <a:rPr lang="es-SV" sz="2500" kern="100" dirty="0" err="1">
+                        <a:rPr lang="es-SV" sz="2200" kern="100" dirty="0" err="1">
                           <a:solidFill>
                             <a:schemeClr val="tx1"/>
                           </a:solidFill>
@@ -7630,7 +7817,7 @@
                         <a:t>sklearn.metrics</a:t>
                       </a:r>
                       <a:r>
-                        <a:rPr lang="es-SV" sz="2500" kern="100" dirty="0">
+                        <a:rPr lang="es-SV" sz="2200" kern="100" dirty="0">
                           <a:solidFill>
                             <a:schemeClr val="tx1"/>
                           </a:solidFill>
@@ -7639,7 +7826,7 @@
                         </a:rPr>
                         <a:t> </a:t>
                       </a:r>
-                      <a:endParaRPr lang="es-SV" sz="2500" kern="100" dirty="0">
+                      <a:endParaRPr lang="es-SV" sz="2200" kern="100" dirty="0">
                         <a:solidFill>
                           <a:schemeClr val="tx1"/>
                         </a:solidFill>
@@ -7695,7 +7882,7 @@
                     <a:lstStyle/>
                     <a:p>
                       <a:r>
-                        <a:rPr lang="es-ES" sz="2500" kern="100" dirty="0">
+                        <a:rPr lang="es-ES" sz="2200" kern="100" dirty="0">
                           <a:solidFill>
                             <a:schemeClr val="tx1"/>
                           </a:solidFill>
@@ -7703,10 +7890,10 @@
                           <a:ea typeface="+mn-ea"/>
                           <a:cs typeface="Times New Roman" panose="02020603050405020304" pitchFamily="18" charset="0"/>
                         </a:rPr>
-                        <a:t>R</a:t>
+                        <a:t>Coeficiente de determinación (R</a:t>
                       </a:r>
                       <a:r>
-                        <a:rPr lang="es-SV" sz="2500" kern="100" baseline="30000" dirty="0">
+                        <a:rPr lang="es-SV" sz="2200" kern="100" baseline="30000" dirty="0">
                           <a:solidFill>
                             <a:schemeClr val="tx1"/>
                           </a:solidFill>
@@ -7714,10 +7901,10 @@
                           <a:ea typeface="+mn-ea"/>
                           <a:cs typeface="Times New Roman" panose="02020603050405020304" pitchFamily="18" charset="0"/>
                         </a:rPr>
-                        <a:t>2</a:t>
+                        <a:t>2)</a:t>
                       </a:r>
                       <a:r>
-                        <a:rPr lang="es-SV" sz="2500" kern="100" dirty="0">
+                        <a:rPr lang="es-SV" sz="2200" kern="100" dirty="0">
                           <a:solidFill>
                             <a:schemeClr val="tx1"/>
                           </a:solidFill>
@@ -7725,7 +7912,101 @@
                           <a:ea typeface="+mn-ea"/>
                           <a:cs typeface="Times New Roman" panose="02020603050405020304" pitchFamily="18" charset="0"/>
                         </a:rPr>
-                        <a:t>,  MSE, MAE, RMSE</a:t>
+                        <a:t>  </a:t>
+                      </a:r>
+                    </a:p>
+                    <a:p>
+                      <a:r>
+                        <a:rPr lang="es-SV" sz="2200" kern="100" dirty="0">
+                          <a:solidFill>
+                            <a:schemeClr val="tx1"/>
+                          </a:solidFill>
+                          <a:latin typeface="Tisa Offc Serif Pro" panose="02010504030101020102" pitchFamily="2" charset="0"/>
+                          <a:ea typeface="+mn-ea"/>
+                          <a:cs typeface="Times New Roman" panose="02020603050405020304" pitchFamily="18" charset="0"/>
+                        </a:rPr>
+                        <a:t>Error </a:t>
+                      </a:r>
+                      <a:r>
+                        <a:rPr lang="es-SV" sz="2200" kern="100" dirty="0" err="1">
+                          <a:solidFill>
+                            <a:schemeClr val="tx1"/>
+                          </a:solidFill>
+                          <a:latin typeface="Tisa Offc Serif Pro" panose="02010504030101020102" pitchFamily="2" charset="0"/>
+                          <a:ea typeface="+mn-ea"/>
+                          <a:cs typeface="Times New Roman" panose="02020603050405020304" pitchFamily="18" charset="0"/>
+                        </a:rPr>
+                        <a:t>cuadratico</a:t>
+                      </a:r>
+                      <a:r>
+                        <a:rPr lang="es-SV" sz="2200" kern="100" dirty="0">
+                          <a:solidFill>
+                            <a:schemeClr val="tx1"/>
+                          </a:solidFill>
+                          <a:latin typeface="Tisa Offc Serif Pro" panose="02010504030101020102" pitchFamily="2" charset="0"/>
+                          <a:ea typeface="+mn-ea"/>
+                          <a:cs typeface="Times New Roman" panose="02020603050405020304" pitchFamily="18" charset="0"/>
+                        </a:rPr>
+                        <a:t> medio (MSE)</a:t>
+                      </a:r>
+                    </a:p>
+                    <a:p>
+                      <a:r>
+                        <a:rPr lang="es-SV" sz="2200" kern="100" dirty="0">
+                          <a:solidFill>
+                            <a:schemeClr val="tx1"/>
+                          </a:solidFill>
+                          <a:latin typeface="Tisa Offc Serif Pro" panose="02010504030101020102" pitchFamily="2" charset="0"/>
+                          <a:ea typeface="+mn-ea"/>
+                          <a:cs typeface="Times New Roman" panose="02020603050405020304" pitchFamily="18" charset="0"/>
+                        </a:rPr>
+                        <a:t>Error absoluto medio (MAE)</a:t>
+                      </a:r>
+                    </a:p>
+                    <a:p>
+                      <a:r>
+                        <a:rPr lang="es-SV" sz="2200" kern="100" dirty="0" err="1">
+                          <a:solidFill>
+                            <a:schemeClr val="tx1"/>
+                          </a:solidFill>
+                          <a:latin typeface="Tisa Offc Serif Pro" panose="02010504030101020102" pitchFamily="2" charset="0"/>
+                          <a:ea typeface="+mn-ea"/>
+                          <a:cs typeface="Times New Roman" panose="02020603050405020304" pitchFamily="18" charset="0"/>
+                        </a:rPr>
+                        <a:t>Raiz</a:t>
+                      </a:r>
+                      <a:r>
+                        <a:rPr lang="es-SV" sz="2200" kern="100" dirty="0">
+                          <a:solidFill>
+                            <a:schemeClr val="tx1"/>
+                          </a:solidFill>
+                          <a:latin typeface="Tisa Offc Serif Pro" panose="02010504030101020102" pitchFamily="2" charset="0"/>
+                          <a:ea typeface="+mn-ea"/>
+                          <a:cs typeface="Times New Roman" panose="02020603050405020304" pitchFamily="18" charset="0"/>
+                        </a:rPr>
+                        <a:t> del error </a:t>
+                      </a:r>
+                      <a:r>
+                        <a:rPr lang="es-SV" sz="2200" kern="100" dirty="0" err="1">
+                          <a:solidFill>
+                            <a:schemeClr val="tx1"/>
+                          </a:solidFill>
+                          <a:latin typeface="Tisa Offc Serif Pro" panose="02010504030101020102" pitchFamily="2" charset="0"/>
+                          <a:ea typeface="+mn-ea"/>
+                          <a:cs typeface="Times New Roman" panose="02020603050405020304" pitchFamily="18" charset="0"/>
+                        </a:rPr>
+                        <a:t>cuaratico</a:t>
+                      </a:r>
+                      <a:r>
+                        <a:rPr lang="es-SV" sz="2200" kern="100" dirty="0">
+                          <a:solidFill>
+                            <a:schemeClr val="tx1"/>
+                          </a:solidFill>
+                          <a:latin typeface="Tisa Offc Serif Pro" panose="02010504030101020102" pitchFamily="2" charset="0"/>
+                          <a:ea typeface="+mn-ea"/>
+                          <a:cs typeface="Times New Roman" panose="02020603050405020304" pitchFamily="18" charset="0"/>
+                        </a:rPr>
+                        <a:t> medio (RMSE)</a:t>
                       </a:r>
                     </a:p>
                   </a:txBody>
@@ -7775,7 +8056,7 @@
                     <a:lstStyle/>
                     <a:p>
                       <a:r>
-                        <a:rPr lang="es-ES" sz="2500" kern="100" dirty="0">
+                        <a:rPr lang="es-ES" sz="2200" kern="100" dirty="0">
                           <a:solidFill>
                             <a:schemeClr val="tx1"/>
                           </a:solidFill>
@@ -7785,7 +8066,7 @@
                         </a:rPr>
                         <a:t>Evaluar precisión</a:t>
                       </a:r>
-                      <a:endParaRPr lang="es-SV" sz="2500" kern="100" dirty="0">
+                      <a:endParaRPr lang="es-SV" sz="2200" kern="100" dirty="0">
                         <a:solidFill>
                           <a:schemeClr val="tx1"/>
                         </a:solidFill>
@@ -7848,7 +8129,7 @@
                     <a:lstStyle/>
                     <a:p>
                       <a:r>
-                        <a:rPr lang="es-SV" sz="2500" kern="100" dirty="0" err="1">
+                        <a:rPr lang="es-SV" sz="2200" kern="100" dirty="0" err="1">
                           <a:solidFill>
                             <a:schemeClr val="tx1"/>
                           </a:solidFill>
@@ -7858,7 +8139,7 @@
                         <a:t>sklearn.model_selection</a:t>
                       </a:r>
                       <a:r>
-                        <a:rPr lang="es-SV" sz="2500" kern="100" dirty="0">
+                        <a:rPr lang="es-SV" sz="2200" kern="100" dirty="0">
                           <a:solidFill>
                             <a:schemeClr val="tx1"/>
                           </a:solidFill>
@@ -7867,7 +8148,7 @@
                         </a:rPr>
                         <a:t> </a:t>
                       </a:r>
-                      <a:endParaRPr lang="es-SV" sz="2500" kern="100" dirty="0">
+                      <a:endParaRPr lang="es-SV" sz="2200" kern="100" dirty="0">
                         <a:solidFill>
                           <a:schemeClr val="tx1"/>
                         </a:solidFill>
@@ -7923,7 +8204,7 @@
                     <a:lstStyle/>
                     <a:p>
                       <a:r>
-                        <a:rPr lang="es-SV" sz="2500" kern="100" dirty="0" err="1">
+                        <a:rPr lang="es-SV" sz="2200" kern="100" dirty="0" err="1">
                           <a:solidFill>
                             <a:schemeClr val="tx1"/>
                           </a:solidFill>
@@ -7932,7 +8213,7 @@
                         </a:rPr>
                         <a:t>train_test_split</a:t>
                       </a:r>
-                      <a:endParaRPr lang="es-SV" sz="2500" kern="100" dirty="0">
+                      <a:endParaRPr lang="es-SV" sz="2200" kern="100" dirty="0">
                         <a:solidFill>
                           <a:schemeClr val="tx1"/>
                         </a:solidFill>
@@ -7988,7 +8269,7 @@
                     <a:lstStyle/>
                     <a:p>
                       <a:r>
-                        <a:rPr lang="es-ES" sz="2500" kern="100" dirty="0">
+                        <a:rPr lang="es-ES" sz="2200" kern="100" dirty="0">
                           <a:solidFill>
                             <a:schemeClr val="tx1"/>
                           </a:solidFill>
@@ -7998,7 +8279,7 @@
                         </a:rPr>
                         <a:t>Entrenamiento</a:t>
                       </a:r>
-                      <a:endParaRPr lang="es-SV" sz="2500" kern="100" dirty="0">
+                      <a:endParaRPr lang="es-SV" sz="2200" kern="100" dirty="0">
                         <a:solidFill>
                           <a:schemeClr val="tx1"/>
                         </a:solidFill>
@@ -8078,7 +8359,7 @@
                         <a:defRPr/>
                       </a:pPr>
                       <a:r>
-                        <a:rPr lang="es-SV" sz="2500" kern="100" dirty="0" err="1">
+                        <a:rPr lang="es-SV" sz="2200" kern="100" dirty="0" err="1">
                           <a:solidFill>
                             <a:schemeClr val="tx1"/>
                           </a:solidFill>
@@ -8087,7 +8368,7 @@
                         </a:rPr>
                         <a:t>pickle</a:t>
                       </a:r>
-                      <a:endParaRPr lang="es-SV" sz="2500" kern="100" dirty="0">
+                      <a:endParaRPr lang="es-SV" sz="2200" kern="100" dirty="0">
                         <a:solidFill>
                           <a:schemeClr val="tx1"/>
                         </a:solidFill>
@@ -8141,7 +8422,7 @@
                     <a:bodyPr/>
                     <a:lstStyle/>
                     <a:p>
-                      <a:endParaRPr lang="es-SV" sz="2500" kern="100" dirty="0">
+                      <a:endParaRPr lang="es-SV" sz="2200" kern="100" dirty="0">
                         <a:solidFill>
                           <a:schemeClr val="tx1"/>
                         </a:solidFill>
@@ -8197,7 +8478,7 @@
                     <a:lstStyle/>
                     <a:p>
                       <a:r>
-                        <a:rPr lang="es-ES" sz="2500" kern="100" dirty="0">
+                        <a:rPr lang="es-ES" sz="2200" kern="100" dirty="0">
                           <a:solidFill>
                             <a:schemeClr val="tx1"/>
                           </a:solidFill>
@@ -8207,7 +8488,7 @@
                         </a:rPr>
                         <a:t>Memoria entrenamiento</a:t>
                       </a:r>
-                      <a:endParaRPr lang="es-SV" sz="2500" kern="100" dirty="0">
+                      <a:endParaRPr lang="es-SV" sz="2200" kern="100" dirty="0">
                         <a:solidFill>
                           <a:schemeClr val="tx1"/>
                         </a:solidFill>
@@ -8277,13 +8558,13 @@
   <p:clrMapOvr>
     <a:masterClrMapping/>
   </p:clrMapOvr>
-  <mc:AlternateContent xmlns:mc="http://schemas.openxmlformats.org/markup-compatibility/2006">
-    <mc:Choice xmlns:p14="http://schemas.microsoft.com/office/powerpoint/2010/main" Requires="p14">
+  <mc:AlternateContent xmlns:mc="http://schemas.openxmlformats.org/markup-compatibility/2006" xmlns:p14="http://schemas.microsoft.com/office/powerpoint/2010/main">
+    <mc:Choice Requires="p14">
       <p:transition spd="slow" p14:dur="1200">
         <p14:prism dir="r"/>
       </p:transition>
     </mc:Choice>
-    <mc:Fallback>
+    <mc:Fallback xmlns="">
       <p:transition spd="slow">
         <p:fade/>
       </p:transition>
@@ -8403,13 +8684,13 @@
   <p:clrMapOvr>
     <a:masterClrMapping/>
   </p:clrMapOvr>
-  <mc:AlternateContent xmlns:mc="http://schemas.openxmlformats.org/markup-compatibility/2006">
-    <mc:Choice xmlns:p14="http://schemas.microsoft.com/office/powerpoint/2010/main" Requires="p14">
+  <mc:AlternateContent xmlns:mc="http://schemas.openxmlformats.org/markup-compatibility/2006" xmlns:p14="http://schemas.microsoft.com/office/powerpoint/2010/main">
+    <mc:Choice Requires="p14">
       <p:transition spd="slow" p14:dur="1200">
         <p14:prism dir="r"/>
       </p:transition>
     </mc:Choice>
-    <mc:Fallback>
+    <mc:Fallback xmlns="">
       <p:transition spd="slow">
         <p:fade/>
       </p:transition>
@@ -8529,13 +8810,149 @@
   <p:clrMapOvr>
     <a:masterClrMapping/>
   </p:clrMapOvr>
-  <mc:AlternateContent xmlns:mc="http://schemas.openxmlformats.org/markup-compatibility/2006">
-    <mc:Choice xmlns:p14="http://schemas.microsoft.com/office/powerpoint/2010/main" Requires="p14">
+  <mc:AlternateContent xmlns:mc="http://schemas.openxmlformats.org/markup-compatibility/2006" xmlns:p14="http://schemas.microsoft.com/office/powerpoint/2010/main">
+    <mc:Choice Requires="p14">
       <p:transition spd="slow" p14:dur="1200">
         <p14:prism dir="r"/>
       </p:transition>
     </mc:Choice>
-    <mc:Fallback>
+    <mc:Fallback xmlns="">
+      <p:transition spd="slow">
+        <p:fade/>
+      </p:transition>
+    </mc:Fallback>
+  </mc:AlternateContent>
+</p:sld>
+</file>
+
+<file path=ppt/slides/slide9.xml><?xml version="1.0" encoding="utf-8"?>
+<p:sld xmlns:a="http://schemas.openxmlformats.org/drawingml/2006/main" xmlns:r="http://schemas.openxmlformats.org/officeDocument/2006/relationships" xmlns:p="http://schemas.openxmlformats.org/presentationml/2006/main">
+  <p:cSld>
+    <p:spTree>
+      <p:nvGrpSpPr>
+        <p:cNvPr id="1" name="">
+          <a:extLst>
+            <a:ext uri="{FF2B5EF4-FFF2-40B4-BE49-F238E27FC236}">
+              <a16:creationId xmlns:a16="http://schemas.microsoft.com/office/drawing/2014/main" id="{9C6FC5C5-032D-4CE4-4EAC-D87FE3D24C93}"/>
+            </a:ext>
+          </a:extLst>
+        </p:cNvPr>
+        <p:cNvGrpSpPr/>
+        <p:nvPr/>
+      </p:nvGrpSpPr>
+      <p:grpSpPr>
+        <a:xfrm>
+          <a:off x="0" y="0"/>
+          <a:ext cx="0" cy="0"/>
+          <a:chOff x="0" y="0"/>
+          <a:chExt cx="0" cy="0"/>
+        </a:xfrm>
+      </p:grpSpPr>
+      <p:sp>
+        <p:nvSpPr>
+          <p:cNvPr id="2" name="Título 1">
+            <a:extLst>
+              <a:ext uri="{FF2B5EF4-FFF2-40B4-BE49-F238E27FC236}">
+                <a16:creationId xmlns:a16="http://schemas.microsoft.com/office/drawing/2014/main" id="{F9B51263-C59C-530D-EE9D-24F49C9194FF}"/>
+              </a:ext>
+            </a:extLst>
+          </p:cNvPr>
+          <p:cNvSpPr>
+            <a:spLocks noGrp="1"/>
+          </p:cNvSpPr>
+          <p:nvPr>
+            <p:ph type="title"/>
+          </p:nvPr>
+        </p:nvSpPr>
+        <p:spPr>
+          <a:xfrm>
+            <a:off x="0" y="1"/>
+            <a:ext cx="12192000" cy="720000"/>
+          </a:xfrm>
+          <a:solidFill>
+            <a:srgbClr val="002060"/>
+          </a:solidFill>
+        </p:spPr>
+        <p:txBody>
+          <a:bodyPr>
+            <a:normAutofit fontScale="90000"/>
+          </a:bodyPr>
+          <a:lstStyle/>
+          <a:p>
+            <a:pPr algn="ctr"/>
+            <a:r>
+              <a:rPr lang="es-ES" sz="5000" b="1" dirty="0" err="1">
+                <a:solidFill>
+                  <a:srgbClr val="FFFF00"/>
+                </a:solidFill>
+              </a:rPr>
+              <a:t>Demostracion</a:t>
+            </a:r>
+            <a:endParaRPr lang="es-SV" sz="5000" b="1" dirty="0">
+              <a:solidFill>
+                <a:srgbClr val="FFFF00"/>
+              </a:solidFill>
+            </a:endParaRPr>
+          </a:p>
+        </p:txBody>
+      </p:sp>
+      <p:sp>
+        <p:nvSpPr>
+          <p:cNvPr id="5" name="CuadroTexto 4">
+            <a:extLst>
+              <a:ext uri="{FF2B5EF4-FFF2-40B4-BE49-F238E27FC236}">
+                <a16:creationId xmlns:a16="http://schemas.microsoft.com/office/drawing/2014/main" id="{336C0DFC-A518-C6E0-2983-3E50CEF01AB1}"/>
+              </a:ext>
+            </a:extLst>
+          </p:cNvPr>
+          <p:cNvSpPr txBox="1"/>
+          <p:nvPr/>
+        </p:nvSpPr>
+        <p:spPr>
+          <a:xfrm>
+            <a:off x="796413" y="1465006"/>
+            <a:ext cx="10471355" cy="1200329"/>
+          </a:xfrm>
+          <a:prstGeom prst="rect">
+            <a:avLst/>
+          </a:prstGeom>
+          <a:noFill/>
+        </p:spPr>
+        <p:txBody>
+          <a:bodyPr wrap="square" rtlCol="0">
+            <a:spAutoFit/>
+          </a:bodyPr>
+          <a:lstStyle/>
+          <a:p>
+            <a:r>
+              <a:rPr lang="es-ES" sz="7200" dirty="0">
+                <a:latin typeface="Arial Black" panose="020B0A04020102020204" pitchFamily="34" charset="0"/>
+              </a:rPr>
+              <a:t>Gracias</a:t>
+            </a:r>
+            <a:endParaRPr lang="es-SV" sz="7200" dirty="0">
+              <a:latin typeface="Arial Black" panose="020B0A04020102020204" pitchFamily="34" charset="0"/>
+            </a:endParaRPr>
+          </a:p>
+        </p:txBody>
+      </p:sp>
+    </p:spTree>
+    <p:extLst>
+      <p:ext uri="{BB962C8B-B14F-4D97-AF65-F5344CB8AC3E}">
+        <p14:creationId xmlns:p14="http://schemas.microsoft.com/office/powerpoint/2010/main" val="3918814784"/>
+      </p:ext>
+    </p:extLst>
+  </p:cSld>
+  <p:clrMapOvr>
+    <a:masterClrMapping/>
+  </p:clrMapOvr>
+  <mc:AlternateContent xmlns:mc="http://schemas.openxmlformats.org/markup-compatibility/2006" xmlns:p14="http://schemas.microsoft.com/office/powerpoint/2010/main">
+    <mc:Choice Requires="p14">
+      <p:transition spd="slow" p14:dur="1200">
+        <p14:prism dir="r"/>
+      </p:transition>
+    </mc:Choice>
+    <mc:Fallback xmlns="">
       <p:transition spd="slow">
         <p:fade/>
       </p:transition>
